--- a/LAB11.pptx
+++ b/LAB11.pptx
@@ -7022,6 +7022,117 @@
           </a:prstGeom>
         </p:spPr>
       </p:pic>
+      <p:cxnSp>
+        <p:nvCxnSpPr>
+          <p:cNvPr id="4" name="Straight Arrow Connector 3"/>
+          <p:cNvCxnSpPr/>
+          <p:nvPr/>
+        </p:nvCxnSpPr>
+        <p:spPr>
+          <a:xfrm>
+            <a:off x="1794510" y="1143000"/>
+            <a:ext cx="584200" cy="219710"/>
+          </a:xfrm>
+          <a:prstGeom prst="straightConnector1">
+            <a:avLst/>
+          </a:prstGeom>
+          <a:ln w="31750" cap="rnd">
+            <a:solidFill>
+              <a:schemeClr val="accent1"/>
+            </a:solidFill>
+            <a:round/>
+            <a:tailEnd type="arrow" w="med" len="med"/>
+          </a:ln>
+        </p:spPr>
+        <p:style>
+          <a:lnRef idx="0">
+            <a:srgbClr val="FFFFFF"/>
+          </a:lnRef>
+          <a:fillRef idx="0">
+            <a:srgbClr val="FFFFFF"/>
+          </a:fillRef>
+          <a:effectRef idx="0">
+            <a:srgbClr val="FFFFFF"/>
+          </a:effectRef>
+          <a:fontRef idx="minor">
+            <a:schemeClr val="tx1"/>
+          </a:fontRef>
+        </p:style>
+      </p:cxnSp>
+      <p:cxnSp>
+        <p:nvCxnSpPr>
+          <p:cNvPr id="6" name="Straight Arrow Connector 5"/>
+          <p:cNvCxnSpPr/>
+          <p:nvPr/>
+        </p:nvCxnSpPr>
+        <p:spPr>
+          <a:xfrm>
+            <a:off x="1794510" y="3014345"/>
+            <a:ext cx="584200" cy="219710"/>
+          </a:xfrm>
+          <a:prstGeom prst="straightConnector1">
+            <a:avLst/>
+          </a:prstGeom>
+          <a:ln w="31750" cap="rnd">
+            <a:solidFill>
+              <a:schemeClr val="accent1"/>
+            </a:solidFill>
+            <a:round/>
+            <a:tailEnd type="arrow" w="med" len="med"/>
+          </a:ln>
+        </p:spPr>
+        <p:style>
+          <a:lnRef idx="0">
+            <a:srgbClr val="FFFFFF"/>
+          </a:lnRef>
+          <a:fillRef idx="0">
+            <a:srgbClr val="FFFFFF"/>
+          </a:fillRef>
+          <a:effectRef idx="0">
+            <a:srgbClr val="FFFFFF"/>
+          </a:effectRef>
+          <a:fontRef idx="minor">
+            <a:schemeClr val="tx1"/>
+          </a:fontRef>
+        </p:style>
+      </p:cxnSp>
+      <p:cxnSp>
+        <p:nvCxnSpPr>
+          <p:cNvPr id="7" name="Straight Arrow Connector 6"/>
+          <p:cNvCxnSpPr/>
+          <p:nvPr/>
+        </p:nvCxnSpPr>
+        <p:spPr>
+          <a:xfrm>
+            <a:off x="1794510" y="4419600"/>
+            <a:ext cx="584200" cy="219710"/>
+          </a:xfrm>
+          <a:prstGeom prst="straightConnector1">
+            <a:avLst/>
+          </a:prstGeom>
+          <a:ln w="31750" cap="rnd">
+            <a:solidFill>
+              <a:schemeClr val="accent1"/>
+            </a:solidFill>
+            <a:round/>
+            <a:tailEnd type="arrow" w="med" len="med"/>
+          </a:ln>
+        </p:spPr>
+        <p:style>
+          <a:lnRef idx="0">
+            <a:srgbClr val="FFFFFF"/>
+          </a:lnRef>
+          <a:fillRef idx="0">
+            <a:srgbClr val="FFFFFF"/>
+          </a:fillRef>
+          <a:effectRef idx="0">
+            <a:srgbClr val="FFFFFF"/>
+          </a:effectRef>
+          <a:fontRef idx="minor">
+            <a:schemeClr val="tx1"/>
+          </a:fontRef>
+        </p:style>
+      </p:cxnSp>
     </p:spTree>
   </p:cSld>
   <p:clrMapOvr>
@@ -7535,6 +7646,228 @@
           </a:prstGeom>
         </p:spPr>
       </p:pic>
+      <p:cxnSp>
+        <p:nvCxnSpPr>
+          <p:cNvPr id="6" name="Straight Arrow Connector 5"/>
+          <p:cNvCxnSpPr/>
+          <p:nvPr/>
+        </p:nvCxnSpPr>
+        <p:spPr>
+          <a:xfrm>
+            <a:off x="211455" y="2903855"/>
+            <a:ext cx="584200" cy="219710"/>
+          </a:xfrm>
+          <a:prstGeom prst="straightConnector1">
+            <a:avLst/>
+          </a:prstGeom>
+          <a:ln w="31750" cap="rnd">
+            <a:solidFill>
+              <a:schemeClr val="accent1"/>
+            </a:solidFill>
+            <a:round/>
+            <a:tailEnd type="arrow" w="med" len="med"/>
+          </a:ln>
+        </p:spPr>
+        <p:style>
+          <a:lnRef idx="0">
+            <a:srgbClr val="FFFFFF"/>
+          </a:lnRef>
+          <a:fillRef idx="0">
+            <a:srgbClr val="FFFFFF"/>
+          </a:fillRef>
+          <a:effectRef idx="0">
+            <a:srgbClr val="FFFFFF"/>
+          </a:effectRef>
+          <a:fontRef idx="minor">
+            <a:schemeClr val="tx1"/>
+          </a:fontRef>
+        </p:style>
+      </p:cxnSp>
+      <p:cxnSp>
+        <p:nvCxnSpPr>
+          <p:cNvPr id="7" name="Straight Arrow Connector 6"/>
+          <p:cNvCxnSpPr/>
+          <p:nvPr/>
+        </p:nvCxnSpPr>
+        <p:spPr>
+          <a:xfrm>
+            <a:off x="5994400" y="2903855"/>
+            <a:ext cx="584200" cy="219710"/>
+          </a:xfrm>
+          <a:prstGeom prst="straightConnector1">
+            <a:avLst/>
+          </a:prstGeom>
+          <a:ln w="31750" cap="rnd">
+            <a:solidFill>
+              <a:schemeClr val="accent1"/>
+            </a:solidFill>
+            <a:round/>
+            <a:tailEnd type="arrow" w="med" len="med"/>
+          </a:ln>
+        </p:spPr>
+        <p:style>
+          <a:lnRef idx="0">
+            <a:srgbClr val="FFFFFF"/>
+          </a:lnRef>
+          <a:fillRef idx="0">
+            <a:srgbClr val="FFFFFF"/>
+          </a:fillRef>
+          <a:effectRef idx="0">
+            <a:srgbClr val="FFFFFF"/>
+          </a:effectRef>
+          <a:fontRef idx="minor">
+            <a:schemeClr val="tx1"/>
+          </a:fontRef>
+        </p:style>
+      </p:cxnSp>
+      <p:cxnSp>
+        <p:nvCxnSpPr>
+          <p:cNvPr id="8" name="Straight Arrow Connector 7"/>
+          <p:cNvCxnSpPr/>
+          <p:nvPr/>
+        </p:nvCxnSpPr>
+        <p:spPr>
+          <a:xfrm>
+            <a:off x="211455" y="4512945"/>
+            <a:ext cx="584200" cy="219710"/>
+          </a:xfrm>
+          <a:prstGeom prst="straightConnector1">
+            <a:avLst/>
+          </a:prstGeom>
+          <a:ln w="31750" cap="rnd">
+            <a:solidFill>
+              <a:schemeClr val="accent1"/>
+            </a:solidFill>
+            <a:round/>
+            <a:tailEnd type="arrow" w="med" len="med"/>
+          </a:ln>
+        </p:spPr>
+        <p:style>
+          <a:lnRef idx="0">
+            <a:srgbClr val="FFFFFF"/>
+          </a:lnRef>
+          <a:fillRef idx="0">
+            <a:srgbClr val="FFFFFF"/>
+          </a:fillRef>
+          <a:effectRef idx="0">
+            <a:srgbClr val="FFFFFF"/>
+          </a:effectRef>
+          <a:fontRef idx="minor">
+            <a:schemeClr val="tx1"/>
+          </a:fontRef>
+        </p:style>
+      </p:cxnSp>
+      <p:cxnSp>
+        <p:nvCxnSpPr>
+          <p:cNvPr id="14" name="Straight Arrow Connector 13"/>
+          <p:cNvCxnSpPr/>
+          <p:nvPr/>
+        </p:nvCxnSpPr>
+        <p:spPr>
+          <a:xfrm>
+            <a:off x="5994400" y="4631690"/>
+            <a:ext cx="584200" cy="219710"/>
+          </a:xfrm>
+          <a:prstGeom prst="straightConnector1">
+            <a:avLst/>
+          </a:prstGeom>
+          <a:ln w="31750" cap="rnd">
+            <a:solidFill>
+              <a:schemeClr val="accent1"/>
+            </a:solidFill>
+            <a:round/>
+            <a:tailEnd type="arrow" w="med" len="med"/>
+          </a:ln>
+        </p:spPr>
+        <p:style>
+          <a:lnRef idx="0">
+            <a:srgbClr val="FFFFFF"/>
+          </a:lnRef>
+          <a:fillRef idx="0">
+            <a:srgbClr val="FFFFFF"/>
+          </a:fillRef>
+          <a:effectRef idx="0">
+            <a:srgbClr val="FFFFFF"/>
+          </a:effectRef>
+          <a:fontRef idx="minor">
+            <a:schemeClr val="tx1"/>
+          </a:fontRef>
+        </p:style>
+      </p:cxnSp>
+      <p:cxnSp>
+        <p:nvCxnSpPr>
+          <p:cNvPr id="15" name="Straight Arrow Connector 14"/>
+          <p:cNvCxnSpPr/>
+          <p:nvPr/>
+        </p:nvCxnSpPr>
+        <p:spPr>
+          <a:xfrm flipV="1">
+            <a:off x="211455" y="1751965"/>
+            <a:ext cx="533400" cy="347345"/>
+          </a:xfrm>
+          <a:prstGeom prst="straightConnector1">
+            <a:avLst/>
+          </a:prstGeom>
+          <a:ln w="31750" cap="rnd">
+            <a:solidFill>
+              <a:schemeClr val="accent1"/>
+            </a:solidFill>
+            <a:round/>
+            <a:tailEnd type="arrow" w="med" len="med"/>
+          </a:ln>
+        </p:spPr>
+        <p:style>
+          <a:lnRef idx="0">
+            <a:srgbClr val="FFFFFF"/>
+          </a:lnRef>
+          <a:fillRef idx="0">
+            <a:srgbClr val="FFFFFF"/>
+          </a:fillRef>
+          <a:effectRef idx="0">
+            <a:srgbClr val="FFFFFF"/>
+          </a:effectRef>
+          <a:fontRef idx="minor">
+            <a:schemeClr val="tx1"/>
+          </a:fontRef>
+        </p:style>
+      </p:cxnSp>
+      <p:cxnSp>
+        <p:nvCxnSpPr>
+          <p:cNvPr id="16" name="Straight Arrow Connector 15"/>
+          <p:cNvCxnSpPr/>
+          <p:nvPr/>
+        </p:nvCxnSpPr>
+        <p:spPr>
+          <a:xfrm flipV="1">
+            <a:off x="6104255" y="1762760"/>
+            <a:ext cx="474345" cy="404495"/>
+          </a:xfrm>
+          <a:prstGeom prst="straightConnector1">
+            <a:avLst/>
+          </a:prstGeom>
+          <a:ln w="31750" cap="rnd">
+            <a:solidFill>
+              <a:schemeClr val="accent1"/>
+            </a:solidFill>
+            <a:round/>
+            <a:tailEnd type="arrow" w="med" len="med"/>
+          </a:ln>
+        </p:spPr>
+        <p:style>
+          <a:lnRef idx="0">
+            <a:srgbClr val="FFFFFF"/>
+          </a:lnRef>
+          <a:fillRef idx="0">
+            <a:srgbClr val="FFFFFF"/>
+          </a:fillRef>
+          <a:effectRef idx="0">
+            <a:srgbClr val="FFFFFF"/>
+          </a:effectRef>
+          <a:fontRef idx="minor">
+            <a:schemeClr val="tx1"/>
+          </a:fontRef>
+        </p:style>
+      </p:cxnSp>
     </p:spTree>
   </p:cSld>
   <p:clrMapOvr>
@@ -8690,6 +9023,117 @@
           </a:prstGeom>
         </p:spPr>
       </p:pic>
+      <p:cxnSp>
+        <p:nvCxnSpPr>
+          <p:cNvPr id="4" name="Straight Arrow Connector 3"/>
+          <p:cNvCxnSpPr/>
+          <p:nvPr/>
+        </p:nvCxnSpPr>
+        <p:spPr>
+          <a:xfrm>
+            <a:off x="1413510" y="1143000"/>
+            <a:ext cx="584200" cy="219710"/>
+          </a:xfrm>
+          <a:prstGeom prst="straightConnector1">
+            <a:avLst/>
+          </a:prstGeom>
+          <a:ln w="31750" cap="rnd">
+            <a:solidFill>
+              <a:schemeClr val="accent1"/>
+            </a:solidFill>
+            <a:round/>
+            <a:tailEnd type="arrow" w="med" len="med"/>
+          </a:ln>
+        </p:spPr>
+        <p:style>
+          <a:lnRef idx="0">
+            <a:srgbClr val="FFFFFF"/>
+          </a:lnRef>
+          <a:fillRef idx="0">
+            <a:srgbClr val="FFFFFF"/>
+          </a:fillRef>
+          <a:effectRef idx="0">
+            <a:srgbClr val="FFFFFF"/>
+          </a:effectRef>
+          <a:fontRef idx="minor">
+            <a:schemeClr val="tx1"/>
+          </a:fontRef>
+        </p:style>
+      </p:cxnSp>
+      <p:cxnSp>
+        <p:nvCxnSpPr>
+          <p:cNvPr id="3" name="Straight Arrow Connector 2"/>
+          <p:cNvCxnSpPr/>
+          <p:nvPr/>
+        </p:nvCxnSpPr>
+        <p:spPr>
+          <a:xfrm>
+            <a:off x="1413510" y="2103755"/>
+            <a:ext cx="584200" cy="219710"/>
+          </a:xfrm>
+          <a:prstGeom prst="straightConnector1">
+            <a:avLst/>
+          </a:prstGeom>
+          <a:ln w="31750" cap="rnd">
+            <a:solidFill>
+              <a:schemeClr val="accent1"/>
+            </a:solidFill>
+            <a:round/>
+            <a:tailEnd type="arrow" w="med" len="med"/>
+          </a:ln>
+        </p:spPr>
+        <p:style>
+          <a:lnRef idx="0">
+            <a:srgbClr val="FFFFFF"/>
+          </a:lnRef>
+          <a:fillRef idx="0">
+            <a:srgbClr val="FFFFFF"/>
+          </a:fillRef>
+          <a:effectRef idx="0">
+            <a:srgbClr val="FFFFFF"/>
+          </a:effectRef>
+          <a:fontRef idx="minor">
+            <a:schemeClr val="tx1"/>
+          </a:fontRef>
+        </p:style>
+      </p:cxnSp>
+      <p:cxnSp>
+        <p:nvCxnSpPr>
+          <p:cNvPr id="7" name="Straight Arrow Connector 6"/>
+          <p:cNvCxnSpPr/>
+          <p:nvPr/>
+        </p:nvCxnSpPr>
+        <p:spPr>
+          <a:xfrm>
+            <a:off x="1413510" y="3945255"/>
+            <a:ext cx="584200" cy="219710"/>
+          </a:xfrm>
+          <a:prstGeom prst="straightConnector1">
+            <a:avLst/>
+          </a:prstGeom>
+          <a:ln w="31750" cap="rnd">
+            <a:solidFill>
+              <a:schemeClr val="accent1"/>
+            </a:solidFill>
+            <a:round/>
+            <a:tailEnd type="arrow" w="med" len="med"/>
+          </a:ln>
+        </p:spPr>
+        <p:style>
+          <a:lnRef idx="0">
+            <a:srgbClr val="FFFFFF"/>
+          </a:lnRef>
+          <a:fillRef idx="0">
+            <a:srgbClr val="FFFFFF"/>
+          </a:fillRef>
+          <a:effectRef idx="0">
+            <a:srgbClr val="FFFFFF"/>
+          </a:effectRef>
+          <a:fontRef idx="minor">
+            <a:schemeClr val="tx1"/>
+          </a:fontRef>
+        </p:style>
+      </p:cxnSp>
     </p:spTree>
   </p:cSld>
   <p:clrMapOvr>
@@ -9339,6 +9783,117 @@
           </a:prstGeom>
         </p:spPr>
       </p:pic>
+      <p:cxnSp>
+        <p:nvCxnSpPr>
+          <p:cNvPr id="3" name="Straight Arrow Connector 2"/>
+          <p:cNvCxnSpPr/>
+          <p:nvPr/>
+        </p:nvCxnSpPr>
+        <p:spPr>
+          <a:xfrm flipV="1">
+            <a:off x="786765" y="1692910"/>
+            <a:ext cx="931545" cy="440690"/>
+          </a:xfrm>
+          <a:prstGeom prst="straightConnector1">
+            <a:avLst/>
+          </a:prstGeom>
+          <a:ln w="31750" cap="rnd">
+            <a:solidFill>
+              <a:schemeClr val="accent1"/>
+            </a:solidFill>
+            <a:round/>
+            <a:tailEnd type="arrow" w="med" len="med"/>
+          </a:ln>
+        </p:spPr>
+        <p:style>
+          <a:lnRef idx="0">
+            <a:srgbClr val="FFFFFF"/>
+          </a:lnRef>
+          <a:fillRef idx="0">
+            <a:srgbClr val="FFFFFF"/>
+          </a:fillRef>
+          <a:effectRef idx="0">
+            <a:srgbClr val="FFFFFF"/>
+          </a:effectRef>
+          <a:fontRef idx="minor">
+            <a:schemeClr val="tx1"/>
+          </a:fontRef>
+        </p:style>
+      </p:cxnSp>
+      <p:cxnSp>
+        <p:nvCxnSpPr>
+          <p:cNvPr id="7" name="Straight Arrow Connector 6"/>
+          <p:cNvCxnSpPr/>
+          <p:nvPr/>
+        </p:nvCxnSpPr>
+        <p:spPr>
+          <a:xfrm flipV="1">
+            <a:off x="812165" y="2988310"/>
+            <a:ext cx="931545" cy="440690"/>
+          </a:xfrm>
+          <a:prstGeom prst="straightConnector1">
+            <a:avLst/>
+          </a:prstGeom>
+          <a:ln w="31750" cap="rnd">
+            <a:solidFill>
+              <a:schemeClr val="accent1"/>
+            </a:solidFill>
+            <a:round/>
+            <a:tailEnd type="arrow" w="med" len="med"/>
+          </a:ln>
+        </p:spPr>
+        <p:style>
+          <a:lnRef idx="0">
+            <a:srgbClr val="FFFFFF"/>
+          </a:lnRef>
+          <a:fillRef idx="0">
+            <a:srgbClr val="FFFFFF"/>
+          </a:fillRef>
+          <a:effectRef idx="0">
+            <a:srgbClr val="FFFFFF"/>
+          </a:effectRef>
+          <a:fontRef idx="minor">
+            <a:schemeClr val="tx1"/>
+          </a:fontRef>
+        </p:style>
+      </p:cxnSp>
+      <p:cxnSp>
+        <p:nvCxnSpPr>
+          <p:cNvPr id="8" name="Straight Arrow Connector 7"/>
+          <p:cNvCxnSpPr/>
+          <p:nvPr/>
+        </p:nvCxnSpPr>
+        <p:spPr>
+          <a:xfrm flipV="1">
+            <a:off x="812165" y="4419600"/>
+            <a:ext cx="931545" cy="440690"/>
+          </a:xfrm>
+          <a:prstGeom prst="straightConnector1">
+            <a:avLst/>
+          </a:prstGeom>
+          <a:ln w="31750" cap="rnd">
+            <a:solidFill>
+              <a:schemeClr val="accent1"/>
+            </a:solidFill>
+            <a:round/>
+            <a:tailEnd type="arrow" w="med" len="med"/>
+          </a:ln>
+        </p:spPr>
+        <p:style>
+          <a:lnRef idx="0">
+            <a:srgbClr val="FFFFFF"/>
+          </a:lnRef>
+          <a:fillRef idx="0">
+            <a:srgbClr val="FFFFFF"/>
+          </a:fillRef>
+          <a:effectRef idx="0">
+            <a:srgbClr val="FFFFFF"/>
+          </a:effectRef>
+          <a:fontRef idx="minor">
+            <a:schemeClr val="tx1"/>
+          </a:fontRef>
+        </p:style>
+      </p:cxnSp>
     </p:spTree>
   </p:cSld>
   <p:clrMapOvr>
